--- a/Proyecto 1/Presentación/Grupo6_Proyecto1.pptx
+++ b/Proyecto 1/Presentación/Grupo6_Proyecto1.pptx
@@ -14,6 +14,7 @@
     <p:sldId id="262" r:id="rId8"/>
     <p:sldId id="263" r:id="rId9"/>
     <p:sldId id="264" r:id="rId10"/>
+    <p:sldId id="265" r:id="rId11"/>
   </p:sldIdLst>
   <p:sldSz cx="12192000" cy="6858000"/>
   <p:notesSz cx="6858000" cy="9144000"/>
@@ -112,6 +113,11 @@
       </a:defRPr>
     </a:lvl9pPr>
   </p:defaultTextStyle>
+  <p:extLst>
+    <p:ext uri="{EFAFB233-063F-42B5-8137-9DF3F51BA10A}">
+      <p15:sldGuideLst xmlns:p15="http://schemas.microsoft.com/office/powerpoint/2012/main"/>
+    </p:ext>
+  </p:extLst>
 </p:presentation>
 </file>
 
@@ -5905,7 +5911,7 @@
           <p:cNvPr id="4" name="Imagen 3">
             <a:extLst>
               <a:ext uri="{FF2B5EF4-FFF2-40B4-BE49-F238E27FC236}">
-                <a16:creationId xmlns:a16="http://schemas.microsoft.com/office/drawing/2014/main" xmlns="" id="{FA0DFA3F-550B-B249-6B74-EC3F1770A394}"/>
+                <a16:creationId xmlns="" xmlns:a16="http://schemas.microsoft.com/office/drawing/2014/main" id="{FA0DFA3F-550B-B249-6B74-EC3F1770A394}"/>
               </a:ext>
             </a:extLst>
           </p:cNvPr>
@@ -5946,6 +5952,64 @@
       </p:par>
     </p:tnLst>
   </p:timing>
+</p:sld>
+</file>
+
+<file path=ppt/slides/slide10.xml><?xml version="1.0" encoding="utf-8"?>
+<p:sld xmlns:a="http://schemas.openxmlformats.org/drawingml/2006/main" xmlns:r="http://schemas.openxmlformats.org/officeDocument/2006/relationships" xmlns:p="http://schemas.openxmlformats.org/presentationml/2006/main">
+  <p:cSld>
+    <p:spTree>
+      <p:nvGrpSpPr>
+        <p:cNvPr id="1" name=""/>
+        <p:cNvGrpSpPr/>
+        <p:nvPr/>
+      </p:nvGrpSpPr>
+      <p:grpSpPr>
+        <a:xfrm>
+          <a:off x="0" y="0"/>
+          <a:ext cx="0" cy="0"/>
+          <a:chOff x="0" y="0"/>
+          <a:chExt cx="0" cy="0"/>
+        </a:xfrm>
+      </p:grpSpPr>
+      <p:sp>
+        <p:nvSpPr>
+          <p:cNvPr id="2" name="Título 1"/>
+          <p:cNvSpPr>
+            <a:spLocks noGrp="1"/>
+          </p:cNvSpPr>
+          <p:nvPr>
+            <p:ph type="title"/>
+          </p:nvPr>
+        </p:nvSpPr>
+        <p:spPr>
+          <a:xfrm>
+            <a:off x="4170407" y="2924432"/>
+            <a:ext cx="4166285" cy="1456267"/>
+          </a:xfrm>
+        </p:spPr>
+        <p:txBody>
+          <a:bodyPr/>
+          <a:lstStyle/>
+          <a:p>
+            <a:r>
+              <a:rPr lang="es-ES" dirty="0" smtClean="0"/>
+              <a:t>MUCHAS GRACIAS !</a:t>
+            </a:r>
+            <a:endParaRPr lang="es-AR" dirty="0"/>
+          </a:p>
+        </p:txBody>
+      </p:sp>
+    </p:spTree>
+    <p:extLst>
+      <p:ext uri="{BB962C8B-B14F-4D97-AF65-F5344CB8AC3E}">
+        <p14:creationId xmlns:p14="http://schemas.microsoft.com/office/powerpoint/2010/main" val="3092237574"/>
+      </p:ext>
+    </p:extLst>
+  </p:cSld>
+  <p:clrMapOvr>
+    <a:masterClrMapping/>
+  </p:clrMapOvr>
 </p:sld>
 </file>
 
@@ -5971,7 +6035,7 @@
           <p:cNvPr id="4" name="Imagen 3">
             <a:extLst>
               <a:ext uri="{FF2B5EF4-FFF2-40B4-BE49-F238E27FC236}">
-                <a16:creationId xmlns:a16="http://schemas.microsoft.com/office/drawing/2014/main" xmlns="" id="{16DFC6BB-FA64-BF0E-3315-585531E8153D}"/>
+                <a16:creationId xmlns="" xmlns:a16="http://schemas.microsoft.com/office/drawing/2014/main" id="{16DFC6BB-FA64-BF0E-3315-585531E8153D}"/>
               </a:ext>
             </a:extLst>
           </p:cNvPr>
@@ -6100,7 +6164,7 @@
         </p:nvSpPr>
         <p:spPr>
           <a:xfrm>
-            <a:off x="685802" y="2384854"/>
+            <a:off x="751705" y="1668163"/>
             <a:ext cx="5245442" cy="1456267"/>
           </a:xfrm>
           <a:prstGeom prst="rect">
